--- a/Redesign/Organ Transplant Data Redesign.pptx
+++ b/Redesign/Organ Transplant Data Redesign.pptx
@@ -348,7 +348,7 @@
           <a:p>
             <a:fld id="{499BA257-7C05-483D-9996-219DA9B153E0}" type="datetimeFigureOut">
               <a:rPr lang="en-US" smtClean="0"/>
-              <a:t>11/5/2014</a:t>
+              <a:t>11/9/2014</a:t>
             </a:fld>
             <a:endParaRPr lang="en-US"/>
           </a:p>
@@ -556,7 +556,7 @@
           <a:p>
             <a:fld id="{499BA257-7C05-483D-9996-219DA9B153E0}" type="datetimeFigureOut">
               <a:rPr lang="en-US" smtClean="0"/>
-              <a:t>11/5/2014</a:t>
+              <a:t>11/9/2014</a:t>
             </a:fld>
             <a:endParaRPr lang="en-US"/>
           </a:p>
@@ -812,7 +812,7 @@
           <a:p>
             <a:fld id="{499BA257-7C05-483D-9996-219DA9B153E0}" type="datetimeFigureOut">
               <a:rPr lang="en-US" smtClean="0"/>
-              <a:t>11/5/2014</a:t>
+              <a:t>11/9/2014</a:t>
             </a:fld>
             <a:endParaRPr lang="en-US"/>
           </a:p>
@@ -982,7 +982,7 @@
           <a:p>
             <a:fld id="{499BA257-7C05-483D-9996-219DA9B153E0}" type="datetimeFigureOut">
               <a:rPr lang="en-US" smtClean="0"/>
-              <a:t>11/5/2014</a:t>
+              <a:t>11/9/2014</a:t>
             </a:fld>
             <a:endParaRPr lang="en-US"/>
           </a:p>
@@ -1325,7 +1325,7 @@
           <a:p>
             <a:fld id="{499BA257-7C05-483D-9996-219DA9B153E0}" type="datetimeFigureOut">
               <a:rPr lang="en-US" smtClean="0"/>
-              <a:t>11/5/2014</a:t>
+              <a:t>11/9/2014</a:t>
             </a:fld>
             <a:endParaRPr lang="en-US"/>
           </a:p>
@@ -1600,7 +1600,7 @@
           <a:p>
             <a:fld id="{499BA257-7C05-483D-9996-219DA9B153E0}" type="datetimeFigureOut">
               <a:rPr lang="en-US" smtClean="0"/>
-              <a:t>11/5/2014</a:t>
+              <a:t>11/9/2014</a:t>
             </a:fld>
             <a:endParaRPr lang="en-US"/>
           </a:p>
@@ -1979,7 +1979,7 @@
           <a:p>
             <a:fld id="{499BA257-7C05-483D-9996-219DA9B153E0}" type="datetimeFigureOut">
               <a:rPr lang="en-US" smtClean="0"/>
-              <a:t>11/5/2014</a:t>
+              <a:t>11/9/2014</a:t>
             </a:fld>
             <a:endParaRPr lang="en-US"/>
           </a:p>
@@ -2097,7 +2097,7 @@
           <a:p>
             <a:fld id="{499BA257-7C05-483D-9996-219DA9B153E0}" type="datetimeFigureOut">
               <a:rPr lang="en-US" smtClean="0"/>
-              <a:t>11/5/2014</a:t>
+              <a:t>11/9/2014</a:t>
             </a:fld>
             <a:endParaRPr lang="en-US"/>
           </a:p>
@@ -2268,7 +2268,7 @@
           <a:p>
             <a:fld id="{499BA257-7C05-483D-9996-219DA9B153E0}" type="datetimeFigureOut">
               <a:rPr lang="en-US" smtClean="0"/>
-              <a:t>11/5/2014</a:t>
+              <a:t>11/9/2014</a:t>
             </a:fld>
             <a:endParaRPr lang="en-US"/>
           </a:p>
@@ -2622,7 +2622,7 @@
           <a:p>
             <a:fld id="{499BA257-7C05-483D-9996-219DA9B153E0}" type="datetimeFigureOut">
               <a:rPr lang="en-US" smtClean="0"/>
-              <a:t>11/5/2014</a:t>
+              <a:t>11/9/2014</a:t>
             </a:fld>
             <a:endParaRPr lang="en-US"/>
           </a:p>
@@ -2999,7 +2999,7 @@
           <a:p>
             <a:fld id="{499BA257-7C05-483D-9996-219DA9B153E0}" type="datetimeFigureOut">
               <a:rPr lang="en-US" smtClean="0"/>
-              <a:t>11/5/2014</a:t>
+              <a:t>11/9/2014</a:t>
             </a:fld>
             <a:endParaRPr lang="en-US"/>
           </a:p>
@@ -3286,7 +3286,7 @@
           <a:p>
             <a:fld id="{499BA257-7C05-483D-9996-219DA9B153E0}" type="datetimeFigureOut">
               <a:rPr lang="en-US" smtClean="0"/>
-              <a:t>11/5/2014</a:t>
+              <a:t>11/9/2014</a:t>
             </a:fld>
             <a:endParaRPr lang="en-US"/>
           </a:p>
@@ -4362,7 +4362,6 @@
               <a:rPr lang="en-US" sz="3600" dirty="0" smtClean="0"/>
               <a:t>DOD 2.1 Organs recovered per donor (ORPD)</a:t>
             </a:r>
-            <a:endParaRPr lang="en-US" sz="3600" dirty="0" smtClean="0"/>
           </a:p>
         </p:txBody>
       </p:sp>
@@ -4514,7 +4513,6 @@
               <a:rPr lang="en-US" sz="3600" dirty="0" smtClean="0"/>
               <a:t>DOD 3.1 Organs transplanted per donor (OTPD)</a:t>
             </a:r>
-            <a:endParaRPr lang="en-US" sz="3600" dirty="0" smtClean="0"/>
           </a:p>
         </p:txBody>
       </p:sp>
@@ -4619,11 +4617,7 @@
             </a:r>
             <a:r>
               <a:rPr lang="en-US" sz="3200" dirty="0" smtClean="0"/>
-              <a:t>Transplant </a:t>
-            </a:r>
-            <a:r>
-              <a:rPr lang="en-US" sz="3200" dirty="0" smtClean="0"/>
-              <a:t>Redesign</a:t>
+              <a:t>Transplant Redesign</a:t>
             </a:r>
             <a:br>
               <a:rPr lang="en-US" sz="3200" dirty="0" smtClean="0"/>
@@ -4638,22 +4632,28 @@
       </p:sp>
       <p:pic>
         <p:nvPicPr>
-          <p:cNvPr id="11" name="Picture 10"/>
+          <p:cNvPr id="2" name="Picture 1"/>
           <p:cNvPicPr>
             <a:picLocks noChangeAspect="1"/>
           </p:cNvPicPr>
           <p:nvPr/>
         </p:nvPicPr>
         <p:blipFill>
-          <a:blip r:embed="rId2"/>
+          <a:blip r:embed="rId2">
+            <a:extLst>
+              <a:ext uri="{28A0092B-C50C-407E-A947-70E740481C1C}">
+                <a14:useLocalDpi xmlns:a14="http://schemas.microsoft.com/office/drawing/2010/main" val="0"/>
+              </a:ext>
+            </a:extLst>
+          </a:blip>
           <a:stretch>
             <a:fillRect/>
           </a:stretch>
         </p:blipFill>
         <p:spPr>
           <a:xfrm>
-            <a:off x="146811" y="1546916"/>
-            <a:ext cx="8896097" cy="4627461"/>
+            <a:off x="0" y="1737361"/>
+            <a:ext cx="9144000" cy="4235622"/>
           </a:xfrm>
           <a:prstGeom prst="rect">
             <a:avLst/>
@@ -4833,11 +4833,7 @@
             </a:r>
             <a:r>
               <a:rPr lang="en-US" sz="3200" dirty="0" smtClean="0"/>
-              <a:t>Transplant </a:t>
-            </a:r>
-            <a:r>
-              <a:rPr lang="en-US" sz="3200" dirty="0" smtClean="0"/>
-              <a:t>– Redesign </a:t>
+              <a:t>Transplant – Redesign </a:t>
             </a:r>
             <a:endParaRPr lang="en-US" sz="3200" dirty="0"/>
           </a:p>
@@ -4938,11 +4934,7 @@
             </a:r>
             <a:r>
               <a:rPr lang="en-US" sz="3200" dirty="0" smtClean="0"/>
-              <a:t>Transplant </a:t>
-            </a:r>
-            <a:r>
-              <a:rPr lang="en-US" sz="3200" dirty="0" smtClean="0"/>
-              <a:t>– Redesign </a:t>
+              <a:t>Transplant – Redesign </a:t>
             </a:r>
             <a:endParaRPr lang="en-US" sz="3200" dirty="0"/>
           </a:p>
@@ -5043,11 +5035,7 @@
             </a:r>
             <a:r>
               <a:rPr lang="en-US" sz="3200" dirty="0" smtClean="0"/>
-              <a:t>Transplant </a:t>
-            </a:r>
-            <a:r>
-              <a:rPr lang="en-US" sz="3200" dirty="0" smtClean="0"/>
-              <a:t>– Redesign </a:t>
+              <a:t>Transplant – Redesign </a:t>
             </a:r>
             <a:endParaRPr lang="en-US" sz="3200" dirty="0"/>
           </a:p>
